--- a/Case-Based 1/Slide Case-Based 1 ML.pptx
+++ b/Case-Based 1/Slide Case-Based 1 ML.pptx
@@ -143,7 +143,7 @@
   <pc:docChgLst>
     <pc:chgData name="WANDI YUSUF KURNIAWAN" userId="41c9e30c-28cb-43a4-b72c-cd60f7fe61b5" providerId="ADAL" clId="{5E48A555-32A4-451C-8C62-49A45E18A377}"/>
     <pc:docChg chg="undo redo custSel addSld delSld modSld sldOrd">
-      <pc:chgData name="WANDI YUSUF KURNIAWAN" userId="41c9e30c-28cb-43a4-b72c-cd60f7fe61b5" providerId="ADAL" clId="{5E48A555-32A4-451C-8C62-49A45E18A377}" dt="2022-11-07T04:35:17.037" v="8566" actId="1076"/>
+      <pc:chgData name="WANDI YUSUF KURNIAWAN" userId="41c9e30c-28cb-43a4-b72c-cd60f7fe61b5" providerId="ADAL" clId="{5E48A555-32A4-451C-8C62-49A45E18A377}" dt="2022-11-07T07:15:59.896" v="8863" actId="20577"/>
       <pc:docMkLst>
         <pc:docMk/>
       </pc:docMkLst>
@@ -186,7 +186,7 @@
         </pc:sldMkLst>
       </pc:sldChg>
       <pc:sldChg chg="addSp delSp modSp mod modNotesTx">
-        <pc:chgData name="WANDI YUSUF KURNIAWAN" userId="41c9e30c-28cb-43a4-b72c-cd60f7fe61b5" providerId="ADAL" clId="{5E48A555-32A4-451C-8C62-49A45E18A377}" dt="2022-11-06T14:37:06.554" v="6784" actId="1076"/>
+        <pc:chgData name="WANDI YUSUF KURNIAWAN" userId="41c9e30c-28cb-43a4-b72c-cd60f7fe61b5" providerId="ADAL" clId="{5E48A555-32A4-451C-8C62-49A45E18A377}" dt="2022-11-07T07:15:59.896" v="8863" actId="20577"/>
         <pc:sldMkLst>
           <pc:docMk/>
           <pc:sldMk cId="2172179498" sldId="258"/>
@@ -2387,15 +2387,7 @@
             </a:r>
             <a:r>
               <a:rPr lang="en-US" dirty="0"/>
-              <a:t> data, </a:t>
-            </a:r>
-            <a:r>
-              <a:rPr lang="en-US" dirty="0" err="1"/>
-              <a:t>serta</a:t>
-            </a:r>
-            <a:r>
-              <a:rPr lang="en-US" dirty="0"/>
-              <a:t> </a:t>
+              <a:t> data. </a:t>
             </a:r>
             <a:r>
               <a:rPr lang="en-US" dirty="0" err="1"/>
@@ -2463,11 +2455,83 @@
             </a:r>
             <a:r>
               <a:rPr lang="en-US" dirty="0" err="1"/>
-              <a:t>prediksi</a:t>
-            </a:r>
-            <a:r>
-              <a:rPr lang="en-US" dirty="0"/>
-              <a:t> dan actual data </a:t>
+              <a:t>akurasi</a:t>
+            </a:r>
+            <a:r>
+              <a:rPr lang="en-US" dirty="0"/>
+              <a:t>. </a:t>
+            </a:r>
+            <a:r>
+              <a:rPr lang="en-US" dirty="0" err="1"/>
+              <a:t>Keras</a:t>
+            </a:r>
+            <a:r>
+              <a:rPr lang="en-US" dirty="0"/>
+              <a:t> </a:t>
+            </a:r>
+            <a:r>
+              <a:rPr lang="en-US" dirty="0" err="1"/>
+              <a:t>untuk</a:t>
+            </a:r>
+            <a:r>
+              <a:rPr lang="en-US" dirty="0"/>
+              <a:t> </a:t>
+            </a:r>
+            <a:r>
+              <a:rPr lang="en-US" dirty="0" err="1"/>
+              <a:t>membentuk</a:t>
+            </a:r>
+            <a:r>
+              <a:rPr lang="en-US" dirty="0"/>
+              <a:t> model deep learning, dan </a:t>
+            </a:r>
+            <a:r>
+              <a:rPr lang="en-US" dirty="0" err="1"/>
+              <a:t>GridSearchCV</a:t>
+            </a:r>
+            <a:r>
+              <a:rPr lang="en-US" dirty="0"/>
+              <a:t> </a:t>
+            </a:r>
+            <a:r>
+              <a:rPr lang="en-US" dirty="0" err="1"/>
+              <a:t>untuk</a:t>
+            </a:r>
+            <a:r>
+              <a:rPr lang="en-US" dirty="0"/>
+              <a:t> </a:t>
+            </a:r>
+            <a:r>
+              <a:rPr lang="en-US" dirty="0" err="1"/>
+              <a:t>memlilih</a:t>
+            </a:r>
+            <a:r>
+              <a:rPr lang="en-US" dirty="0"/>
+              <a:t> parameter </a:t>
+            </a:r>
+            <a:r>
+              <a:rPr lang="en-US" dirty="0" err="1"/>
+              <a:t>terbaik</a:t>
+            </a:r>
+            <a:r>
+              <a:rPr lang="en-US" dirty="0"/>
+              <a:t> </a:t>
+            </a:r>
+            <a:r>
+              <a:rPr lang="en-US" dirty="0" err="1"/>
+              <a:t>dari</a:t>
+            </a:r>
+            <a:r>
+              <a:rPr lang="en-US" dirty="0"/>
+              <a:t> </a:t>
+            </a:r>
+            <a:r>
+              <a:rPr lang="en-US" dirty="0" err="1"/>
+              <a:t>beberapa</a:t>
+            </a:r>
+            <a:r>
+              <a:rPr lang="en-US"/>
+              <a:t> hyperparameter </a:t>
             </a:r>
             <a:r>
               <a:rPr lang="en-US" dirty="0" err="1"/>
@@ -2475,15 +2539,7 @@
             </a:r>
             <a:r>
               <a:rPr lang="en-US" dirty="0"/>
-              <a:t> </a:t>
-            </a:r>
-            <a:r>
-              <a:rPr lang="en-US" dirty="0" err="1"/>
-              <a:t>matriks</a:t>
-            </a:r>
-            <a:r>
-              <a:rPr lang="en-US" dirty="0"/>
-              <a:t>. </a:t>
+              <a:t> cross-validation.</a:t>
             </a:r>
             <a:endParaRPr lang="en-ID" dirty="0"/>
           </a:p>
@@ -7451,7 +7507,7 @@
           <a:noFill/>
           <a:extLst>
             <a:ext uri="{909E8E84-426E-40dd-AFC4-6F175D3DCCD1}">
-              <a14:hiddenFill xmlns:a14="http://schemas.microsoft.com/office/drawing/2010/main" xmlns="">
+              <a14:hiddenFill xmlns="" xmlns:a14="http://schemas.microsoft.com/office/drawing/2010/main">
                 <a:solidFill>
                   <a:srgbClr val="FFFFFF"/>
                 </a:solidFill>
@@ -7510,7 +7566,7 @@
             </a:ln>
             <a:extLst>
               <a:ext uri="{91240B29-F687-4f45-9708-019B960494DF}">
-                <a14:hiddenLine xmlns:a14="http://schemas.microsoft.com/office/drawing/2010/main" xmlns="" w="9525">
+                <a14:hiddenLine xmlns="" xmlns:a14="http://schemas.microsoft.com/office/drawing/2010/main" w="9525">
                   <a:solidFill>
                     <a:srgbClr val="000000"/>
                   </a:solidFill>
@@ -7600,7 +7656,7 @@
             </a:ln>
             <a:extLst>
               <a:ext uri="{91240B29-F687-4f45-9708-019B960494DF}">
-                <a14:hiddenLine xmlns:a14="http://schemas.microsoft.com/office/drawing/2010/main" xmlns="" w="9525">
+                <a14:hiddenLine xmlns="" xmlns:a14="http://schemas.microsoft.com/office/drawing/2010/main" w="9525">
                   <a:solidFill>
                     <a:srgbClr val="000000"/>
                   </a:solidFill>
@@ -7690,7 +7746,7 @@
             </a:ln>
             <a:extLst>
               <a:ext uri="{91240B29-F687-4f45-9708-019B960494DF}">
-                <a14:hiddenLine xmlns:a14="http://schemas.microsoft.com/office/drawing/2010/main" xmlns="" w="9525">
+                <a14:hiddenLine xmlns="" xmlns:a14="http://schemas.microsoft.com/office/drawing/2010/main" w="9525">
                   <a:solidFill>
                     <a:srgbClr val="000000"/>
                   </a:solidFill>
@@ -7724,7 +7780,7 @@
             </a:ln>
             <a:extLst>
               <a:ext uri="{91240B29-F687-4f45-9708-019B960494DF}">
-                <a14:hiddenLine xmlns:a14="http://schemas.microsoft.com/office/drawing/2010/main" xmlns="" w="9525">
+                <a14:hiddenLine xmlns="" xmlns:a14="http://schemas.microsoft.com/office/drawing/2010/main" w="9525">
                   <a:solidFill>
                     <a:srgbClr val="000000"/>
                   </a:solidFill>
@@ -7814,7 +7870,7 @@
             </a:ln>
             <a:extLst>
               <a:ext uri="{91240B29-F687-4f45-9708-019B960494DF}">
-                <a14:hiddenLine xmlns:a14="http://schemas.microsoft.com/office/drawing/2010/main" xmlns="" w="9525">
+                <a14:hiddenLine xmlns="" xmlns:a14="http://schemas.microsoft.com/office/drawing/2010/main" w="9525">
                   <a:solidFill>
                     <a:srgbClr val="000000"/>
                   </a:solidFill>
@@ -7876,7 +7932,7 @@
             </a:ln>
             <a:extLst>
               <a:ext uri="{91240B29-F687-4f45-9708-019B960494DF}">
-                <a14:hiddenLine xmlns:a14="http://schemas.microsoft.com/office/drawing/2010/main" xmlns="" w="9525">
+                <a14:hiddenLine xmlns="" xmlns:a14="http://schemas.microsoft.com/office/drawing/2010/main" w="9525">
                   <a:solidFill>
                     <a:srgbClr val="000000"/>
                   </a:solidFill>
@@ -7938,7 +7994,7 @@
             </a:ln>
             <a:extLst>
               <a:ext uri="{91240B29-F687-4f45-9708-019B960494DF}">
-                <a14:hiddenLine xmlns:a14="http://schemas.microsoft.com/office/drawing/2010/main" xmlns="" w="9525">
+                <a14:hiddenLine xmlns="" xmlns:a14="http://schemas.microsoft.com/office/drawing/2010/main" w="9525">
                   <a:solidFill>
                     <a:srgbClr val="000000"/>
                   </a:solidFill>
@@ -8028,7 +8084,7 @@
             </a:ln>
             <a:extLst>
               <a:ext uri="{91240B29-F687-4f45-9708-019B960494DF}">
-                <a14:hiddenLine xmlns:a14="http://schemas.microsoft.com/office/drawing/2010/main" xmlns="" w="9525">
+                <a14:hiddenLine xmlns="" xmlns:a14="http://schemas.microsoft.com/office/drawing/2010/main" w="9525">
                   <a:solidFill>
                     <a:srgbClr val="000000"/>
                   </a:solidFill>
@@ -8090,7 +8146,7 @@
             </a:ln>
             <a:extLst>
               <a:ext uri="{91240B29-F687-4f45-9708-019B960494DF}">
-                <a14:hiddenLine xmlns:a14="http://schemas.microsoft.com/office/drawing/2010/main" xmlns="" w="9525">
+                <a14:hiddenLine xmlns="" xmlns:a14="http://schemas.microsoft.com/office/drawing/2010/main" w="9525">
                   <a:solidFill>
                     <a:srgbClr val="000000"/>
                   </a:solidFill>
@@ -8152,7 +8208,7 @@
             </a:ln>
             <a:extLst>
               <a:ext uri="{91240B29-F687-4f45-9708-019B960494DF}">
-                <a14:hiddenLine xmlns:a14="http://schemas.microsoft.com/office/drawing/2010/main" xmlns="" w="9525">
+                <a14:hiddenLine xmlns="" xmlns:a14="http://schemas.microsoft.com/office/drawing/2010/main" w="9525">
                   <a:solidFill>
                     <a:srgbClr val="000000"/>
                   </a:solidFill>
@@ -8242,7 +8298,7 @@
             </a:ln>
             <a:extLst>
               <a:ext uri="{91240B29-F687-4f45-9708-019B960494DF}">
-                <a14:hiddenLine xmlns:a14="http://schemas.microsoft.com/office/drawing/2010/main" xmlns="" w="9525">
+                <a14:hiddenLine xmlns="" xmlns:a14="http://schemas.microsoft.com/office/drawing/2010/main" w="9525">
                   <a:solidFill>
                     <a:srgbClr val="000000"/>
                   </a:solidFill>
@@ -8332,7 +8388,7 @@
             </a:ln>
             <a:extLst>
               <a:ext uri="{91240B29-F687-4f45-9708-019B960494DF}">
-                <a14:hiddenLine xmlns:a14="http://schemas.microsoft.com/office/drawing/2010/main" xmlns="" w="9525">
+                <a14:hiddenLine xmlns="" xmlns:a14="http://schemas.microsoft.com/office/drawing/2010/main" w="9525">
                   <a:solidFill>
                     <a:srgbClr val="000000"/>
                   </a:solidFill>
@@ -8394,7 +8450,7 @@
             </a:ln>
             <a:extLst>
               <a:ext uri="{91240B29-F687-4f45-9708-019B960494DF}">
-                <a14:hiddenLine xmlns:a14="http://schemas.microsoft.com/office/drawing/2010/main" xmlns="" w="9525">
+                <a14:hiddenLine xmlns="" xmlns:a14="http://schemas.microsoft.com/office/drawing/2010/main" w="9525">
                   <a:solidFill>
                     <a:srgbClr val="000000"/>
                   </a:solidFill>
@@ -8504,7 +8560,7 @@
             </a:ln>
             <a:extLst>
               <a:ext uri="{91240B29-F687-4f45-9708-019B960494DF}">
-                <a14:hiddenLine xmlns:a14="http://schemas.microsoft.com/office/drawing/2010/main" xmlns="" w="9525">
+                <a14:hiddenLine xmlns="" xmlns:a14="http://schemas.microsoft.com/office/drawing/2010/main" w="9525">
                   <a:solidFill>
                     <a:srgbClr val="000000"/>
                   </a:solidFill>
@@ -8566,7 +8622,7 @@
             </a:ln>
             <a:extLst>
               <a:ext uri="{91240B29-F687-4f45-9708-019B960494DF}">
-                <a14:hiddenLine xmlns:a14="http://schemas.microsoft.com/office/drawing/2010/main" xmlns="" w="9525">
+                <a14:hiddenLine xmlns="" xmlns:a14="http://schemas.microsoft.com/office/drawing/2010/main" w="9525">
                   <a:solidFill>
                     <a:srgbClr val="000000"/>
                   </a:solidFill>
@@ -8656,7 +8712,7 @@
             </a:ln>
             <a:extLst>
               <a:ext uri="{91240B29-F687-4f45-9708-019B960494DF}">
-                <a14:hiddenLine xmlns:a14="http://schemas.microsoft.com/office/drawing/2010/main" xmlns="" w="9525">
+                <a14:hiddenLine xmlns="" xmlns:a14="http://schemas.microsoft.com/office/drawing/2010/main" w="9525">
                   <a:solidFill>
                     <a:srgbClr val="000000"/>
                   </a:solidFill>
@@ -8746,7 +8802,7 @@
             </a:ln>
             <a:extLst>
               <a:ext uri="{91240B29-F687-4f45-9708-019B960494DF}">
-                <a14:hiddenLine xmlns:a14="http://schemas.microsoft.com/office/drawing/2010/main" xmlns="" w="9525">
+                <a14:hiddenLine xmlns="" xmlns:a14="http://schemas.microsoft.com/office/drawing/2010/main" w="9525">
                   <a:solidFill>
                     <a:srgbClr val="000000"/>
                   </a:solidFill>
@@ -8808,7 +8864,7 @@
             </a:ln>
             <a:extLst>
               <a:ext uri="{91240B29-F687-4f45-9708-019B960494DF}">
-                <a14:hiddenLine xmlns:a14="http://schemas.microsoft.com/office/drawing/2010/main" xmlns="" w="9525">
+                <a14:hiddenLine xmlns="" xmlns:a14="http://schemas.microsoft.com/office/drawing/2010/main" w="9525">
                   <a:solidFill>
                     <a:srgbClr val="000000"/>
                   </a:solidFill>
@@ -8898,7 +8954,7 @@
             </a:ln>
             <a:extLst>
               <a:ext uri="{91240B29-F687-4f45-9708-019B960494DF}">
-                <a14:hiddenLine xmlns:a14="http://schemas.microsoft.com/office/drawing/2010/main" xmlns="" w="9525">
+                <a14:hiddenLine xmlns="" xmlns:a14="http://schemas.microsoft.com/office/drawing/2010/main" w="9525">
                   <a:solidFill>
                     <a:srgbClr val="000000"/>
                   </a:solidFill>
@@ -8988,7 +9044,7 @@
             </a:ln>
             <a:extLst>
               <a:ext uri="{91240B29-F687-4f45-9708-019B960494DF}">
-                <a14:hiddenLine xmlns:a14="http://schemas.microsoft.com/office/drawing/2010/main" xmlns="" w="9525">
+                <a14:hiddenLine xmlns="" xmlns:a14="http://schemas.microsoft.com/office/drawing/2010/main" w="9525">
                   <a:solidFill>
                     <a:srgbClr val="000000"/>
                   </a:solidFill>
@@ -9044,7 +9100,7 @@
             </a:ln>
             <a:extLst>
               <a:ext uri="{91240B29-F687-4f45-9708-019B960494DF}">
-                <a14:hiddenLine xmlns:a14="http://schemas.microsoft.com/office/drawing/2010/main" xmlns="" w="9525">
+                <a14:hiddenLine xmlns="" xmlns:a14="http://schemas.microsoft.com/office/drawing/2010/main" w="9525">
                   <a:solidFill>
                     <a:srgbClr val="000000"/>
                   </a:solidFill>
@@ -9134,7 +9190,7 @@
             </a:ln>
             <a:extLst>
               <a:ext uri="{91240B29-F687-4f45-9708-019B960494DF}">
-                <a14:hiddenLine xmlns:a14="http://schemas.microsoft.com/office/drawing/2010/main" xmlns="" w="9525">
+                <a14:hiddenLine xmlns="" xmlns:a14="http://schemas.microsoft.com/office/drawing/2010/main" w="9525">
                   <a:solidFill>
                     <a:srgbClr val="000000"/>
                   </a:solidFill>
@@ -9190,7 +9246,7 @@
             </a:ln>
             <a:extLst>
               <a:ext uri="{91240B29-F687-4f45-9708-019B960494DF}">
-                <a14:hiddenLine xmlns:a14="http://schemas.microsoft.com/office/drawing/2010/main" xmlns="" w="9525">
+                <a14:hiddenLine xmlns="" xmlns:a14="http://schemas.microsoft.com/office/drawing/2010/main" w="9525">
                   <a:solidFill>
                     <a:srgbClr val="000000"/>
                   </a:solidFill>
@@ -9280,7 +9336,7 @@
             </a:ln>
             <a:extLst>
               <a:ext uri="{91240B29-F687-4f45-9708-019B960494DF}">
-                <a14:hiddenLine xmlns:a14="http://schemas.microsoft.com/office/drawing/2010/main" xmlns="" w="9525">
+                <a14:hiddenLine xmlns="" xmlns:a14="http://schemas.microsoft.com/office/drawing/2010/main" w="9525">
                   <a:solidFill>
                     <a:srgbClr val="000000"/>
                   </a:solidFill>
@@ -9348,7 +9404,7 @@
             </a:ln>
             <a:extLst>
               <a:ext uri="{91240B29-F687-4f45-9708-019B960494DF}">
-                <a14:hiddenLine xmlns:a14="http://schemas.microsoft.com/office/drawing/2010/main" xmlns="" w="9525">
+                <a14:hiddenLine xmlns="" xmlns:a14="http://schemas.microsoft.com/office/drawing/2010/main" w="9525">
                   <a:solidFill>
                     <a:srgbClr val="000000"/>
                   </a:solidFill>
@@ -9438,7 +9494,7 @@
             </a:ln>
             <a:extLst>
               <a:ext uri="{91240B29-F687-4f45-9708-019B960494DF}">
-                <a14:hiddenLine xmlns:a14="http://schemas.microsoft.com/office/drawing/2010/main" xmlns="" w="9525">
+                <a14:hiddenLine xmlns="" xmlns:a14="http://schemas.microsoft.com/office/drawing/2010/main" w="9525">
                   <a:solidFill>
                     <a:srgbClr val="000000"/>
                   </a:solidFill>
@@ -9506,7 +9562,7 @@
             </a:ln>
             <a:extLst>
               <a:ext uri="{91240B29-F687-4f45-9708-019B960494DF}">
-                <a14:hiddenLine xmlns:a14="http://schemas.microsoft.com/office/drawing/2010/main" xmlns="" w="9525">
+                <a14:hiddenLine xmlns="" xmlns:a14="http://schemas.microsoft.com/office/drawing/2010/main" w="9525">
                   <a:solidFill>
                     <a:srgbClr val="000000"/>
                   </a:solidFill>
@@ -9596,7 +9652,7 @@
             </a:ln>
             <a:extLst>
               <a:ext uri="{91240B29-F687-4f45-9708-019B960494DF}">
-                <a14:hiddenLine xmlns:a14="http://schemas.microsoft.com/office/drawing/2010/main" xmlns="" w="9525">
+                <a14:hiddenLine xmlns="" xmlns:a14="http://schemas.microsoft.com/office/drawing/2010/main" w="9525">
                   <a:solidFill>
                     <a:srgbClr val="000000"/>
                   </a:solidFill>
@@ -9630,7 +9686,7 @@
             </a:ln>
             <a:extLst>
               <a:ext uri="{91240B29-F687-4f45-9708-019B960494DF}">
-                <a14:hiddenLine xmlns:a14="http://schemas.microsoft.com/office/drawing/2010/main" xmlns="" w="9525">
+                <a14:hiddenLine xmlns="" xmlns:a14="http://schemas.microsoft.com/office/drawing/2010/main" w="9525">
                   <a:solidFill>
                     <a:srgbClr val="000000"/>
                   </a:solidFill>
@@ -9720,7 +9776,7 @@
             </a:ln>
             <a:extLst>
               <a:ext uri="{91240B29-F687-4f45-9708-019B960494DF}">
-                <a14:hiddenLine xmlns:a14="http://schemas.microsoft.com/office/drawing/2010/main" xmlns="" w="9525">
+                <a14:hiddenLine xmlns="" xmlns:a14="http://schemas.microsoft.com/office/drawing/2010/main" w="9525">
                   <a:solidFill>
                     <a:srgbClr val="000000"/>
                   </a:solidFill>
@@ -9782,7 +9838,7 @@
             </a:ln>
             <a:extLst>
               <a:ext uri="{91240B29-F687-4f45-9708-019B960494DF}">
-                <a14:hiddenLine xmlns:a14="http://schemas.microsoft.com/office/drawing/2010/main" xmlns="" w="9525">
+                <a14:hiddenLine xmlns="" xmlns:a14="http://schemas.microsoft.com/office/drawing/2010/main" w="9525">
                   <a:solidFill>
                     <a:srgbClr val="000000"/>
                   </a:solidFill>
@@ -9844,7 +9900,7 @@
             </a:ln>
             <a:extLst>
               <a:ext uri="{91240B29-F687-4f45-9708-019B960494DF}">
-                <a14:hiddenLine xmlns:a14="http://schemas.microsoft.com/office/drawing/2010/main" xmlns="" w="9525">
+                <a14:hiddenLine xmlns="" xmlns:a14="http://schemas.microsoft.com/office/drawing/2010/main" w="9525">
                   <a:solidFill>
                     <a:srgbClr val="000000"/>
                   </a:solidFill>
@@ -9934,7 +9990,7 @@
             </a:ln>
             <a:extLst>
               <a:ext uri="{91240B29-F687-4f45-9708-019B960494DF}">
-                <a14:hiddenLine xmlns:a14="http://schemas.microsoft.com/office/drawing/2010/main" xmlns="" w="9525">
+                <a14:hiddenLine xmlns="" xmlns:a14="http://schemas.microsoft.com/office/drawing/2010/main" w="9525">
                   <a:solidFill>
                     <a:srgbClr val="000000"/>
                   </a:solidFill>
@@ -10002,7 +10058,7 @@
             </a:ln>
             <a:extLst>
               <a:ext uri="{91240B29-F687-4f45-9708-019B960494DF}">
-                <a14:hiddenLine xmlns:a14="http://schemas.microsoft.com/office/drawing/2010/main" xmlns="" w="9525">
+                <a14:hiddenLine xmlns="" xmlns:a14="http://schemas.microsoft.com/office/drawing/2010/main" w="9525">
                   <a:solidFill>
                     <a:srgbClr val="000000"/>
                   </a:solidFill>
@@ -10064,7 +10120,7 @@
             </a:ln>
             <a:extLst>
               <a:ext uri="{91240B29-F687-4f45-9708-019B960494DF}">
-                <a14:hiddenLine xmlns:a14="http://schemas.microsoft.com/office/drawing/2010/main" xmlns="" w="9525">
+                <a14:hiddenLine xmlns="" xmlns:a14="http://schemas.microsoft.com/office/drawing/2010/main" w="9525">
                   <a:solidFill>
                     <a:srgbClr val="000000"/>
                   </a:solidFill>
@@ -10154,7 +10210,7 @@
             </a:ln>
             <a:extLst>
               <a:ext uri="{91240B29-F687-4f45-9708-019B960494DF}">
-                <a14:hiddenLine xmlns:a14="http://schemas.microsoft.com/office/drawing/2010/main" xmlns="" w="9525">
+                <a14:hiddenLine xmlns="" xmlns:a14="http://schemas.microsoft.com/office/drawing/2010/main" w="9525">
                   <a:solidFill>
                     <a:srgbClr val="000000"/>
                   </a:solidFill>
@@ -10216,7 +10272,7 @@
             </a:ln>
             <a:extLst>
               <a:ext uri="{91240B29-F687-4f45-9708-019B960494DF}">
-                <a14:hiddenLine xmlns:a14="http://schemas.microsoft.com/office/drawing/2010/main" xmlns="" w="9525">
+                <a14:hiddenLine xmlns="" xmlns:a14="http://schemas.microsoft.com/office/drawing/2010/main" w="9525">
                   <a:solidFill>
                     <a:srgbClr val="000000"/>
                   </a:solidFill>
@@ -10306,7 +10362,7 @@
             </a:ln>
             <a:extLst>
               <a:ext uri="{91240B29-F687-4f45-9708-019B960494DF}">
-                <a14:hiddenLine xmlns:a14="http://schemas.microsoft.com/office/drawing/2010/main" xmlns="" w="9525">
+                <a14:hiddenLine xmlns="" xmlns:a14="http://schemas.microsoft.com/office/drawing/2010/main" w="9525">
                   <a:solidFill>
                     <a:srgbClr val="000000"/>
                   </a:solidFill>
@@ -10368,7 +10424,7 @@
             </a:ln>
             <a:extLst>
               <a:ext uri="{91240B29-F687-4f45-9708-019B960494DF}">
-                <a14:hiddenLine xmlns:a14="http://schemas.microsoft.com/office/drawing/2010/main" xmlns="" w="9525">
+                <a14:hiddenLine xmlns="" xmlns:a14="http://schemas.microsoft.com/office/drawing/2010/main" w="9525">
                   <a:solidFill>
                     <a:srgbClr val="000000"/>
                   </a:solidFill>
@@ -10458,7 +10514,7 @@
             </a:ln>
             <a:extLst>
               <a:ext uri="{91240B29-F687-4f45-9708-019B960494DF}">
-                <a14:hiddenLine xmlns:a14="http://schemas.microsoft.com/office/drawing/2010/main" xmlns="" w="9525">
+                <a14:hiddenLine xmlns="" xmlns:a14="http://schemas.microsoft.com/office/drawing/2010/main" w="9525">
                   <a:solidFill>
                     <a:srgbClr val="000000"/>
                   </a:solidFill>
@@ -10492,7 +10548,7 @@
             </a:ln>
             <a:extLst>
               <a:ext uri="{91240B29-F687-4f45-9708-019B960494DF}">
-                <a14:hiddenLine xmlns:a14="http://schemas.microsoft.com/office/drawing/2010/main" xmlns="" w="9525">
+                <a14:hiddenLine xmlns="" xmlns:a14="http://schemas.microsoft.com/office/drawing/2010/main" w="9525">
                   <a:solidFill>
                     <a:srgbClr val="000000"/>
                   </a:solidFill>
@@ -10557,7 +10613,7 @@
             </a:ln>
             <a:extLst>
               <a:ext uri="{91240B29-F687-4f45-9708-019B960494DF}">
-                <a14:hiddenLine xmlns:a14="http://schemas.microsoft.com/office/drawing/2010/main" xmlns="" w="9525">
+                <a14:hiddenLine xmlns="" xmlns:a14="http://schemas.microsoft.com/office/drawing/2010/main" w="9525">
                   <a:solidFill>
                     <a:srgbClr val="000000"/>
                   </a:solidFill>
@@ -10647,7 +10703,7 @@
             </a:ln>
             <a:extLst>
               <a:ext uri="{91240B29-F687-4f45-9708-019B960494DF}">
-                <a14:hiddenLine xmlns:a14="http://schemas.microsoft.com/office/drawing/2010/main" xmlns="" w="9525">
+                <a14:hiddenLine xmlns="" xmlns:a14="http://schemas.microsoft.com/office/drawing/2010/main" w="9525">
                   <a:solidFill>
                     <a:srgbClr val="000000"/>
                   </a:solidFill>
@@ -10709,7 +10765,7 @@
             </a:ln>
             <a:extLst>
               <a:ext uri="{91240B29-F687-4f45-9708-019B960494DF}">
-                <a14:hiddenLine xmlns:a14="http://schemas.microsoft.com/office/drawing/2010/main" xmlns="" w="9525">
+                <a14:hiddenLine xmlns="" xmlns:a14="http://schemas.microsoft.com/office/drawing/2010/main" w="9525">
                   <a:solidFill>
                     <a:srgbClr val="000000"/>
                   </a:solidFill>
@@ -10799,7 +10855,7 @@
             </a:ln>
             <a:extLst>
               <a:ext uri="{91240B29-F687-4f45-9708-019B960494DF}">
-                <a14:hiddenLine xmlns:a14="http://schemas.microsoft.com/office/drawing/2010/main" xmlns="" w="9525">
+                <a14:hiddenLine xmlns="" xmlns:a14="http://schemas.microsoft.com/office/drawing/2010/main" w="9525">
                   <a:solidFill>
                     <a:srgbClr val="000000"/>
                   </a:solidFill>
@@ -10889,7 +10945,7 @@
             </a:ln>
             <a:extLst>
               <a:ext uri="{91240B29-F687-4f45-9708-019B960494DF}">
-                <a14:hiddenLine xmlns:a14="http://schemas.microsoft.com/office/drawing/2010/main" xmlns="" w="9525">
+                <a14:hiddenLine xmlns="" xmlns:a14="http://schemas.microsoft.com/office/drawing/2010/main" w="9525">
                   <a:solidFill>
                     <a:srgbClr val="000000"/>
                   </a:solidFill>
@@ -10954,7 +11010,7 @@
             </a:ln>
             <a:extLst>
               <a:ext uri="{91240B29-F687-4f45-9708-019B960494DF}">
-                <a14:hiddenLine xmlns:a14="http://schemas.microsoft.com/office/drawing/2010/main" xmlns="" w="9525">
+                <a14:hiddenLine xmlns="" xmlns:a14="http://schemas.microsoft.com/office/drawing/2010/main" w="9525">
                   <a:solidFill>
                     <a:srgbClr val="000000"/>
                   </a:solidFill>
@@ -11016,7 +11072,7 @@
             </a:ln>
             <a:extLst>
               <a:ext uri="{91240B29-F687-4f45-9708-019B960494DF}">
-                <a14:hiddenLine xmlns:a14="http://schemas.microsoft.com/office/drawing/2010/main" xmlns="" w="9525">
+                <a14:hiddenLine xmlns="" xmlns:a14="http://schemas.microsoft.com/office/drawing/2010/main" w="9525">
                   <a:solidFill>
                     <a:srgbClr val="000000"/>
                   </a:solidFill>
@@ -11106,7 +11162,7 @@
             </a:ln>
             <a:extLst>
               <a:ext uri="{91240B29-F687-4f45-9708-019B960494DF}">
-                <a14:hiddenLine xmlns:a14="http://schemas.microsoft.com/office/drawing/2010/main" xmlns="" w="9525">
+                <a14:hiddenLine xmlns="" xmlns:a14="http://schemas.microsoft.com/office/drawing/2010/main" w="9525">
                   <a:solidFill>
                     <a:srgbClr val="000000"/>
                   </a:solidFill>
@@ -11196,7 +11252,7 @@
             </a:ln>
             <a:extLst>
               <a:ext uri="{91240B29-F687-4f45-9708-019B960494DF}">
-                <a14:hiddenLine xmlns:a14="http://schemas.microsoft.com/office/drawing/2010/main" xmlns="" w="9525">
+                <a14:hiddenLine xmlns="" xmlns:a14="http://schemas.microsoft.com/office/drawing/2010/main" w="9525">
                   <a:solidFill>
                     <a:srgbClr val="000000"/>
                   </a:solidFill>
@@ -11258,7 +11314,7 @@
             </a:ln>
             <a:extLst>
               <a:ext uri="{91240B29-F687-4f45-9708-019B960494DF}">
-                <a14:hiddenLine xmlns:a14="http://schemas.microsoft.com/office/drawing/2010/main" xmlns="" w="9525">
+                <a14:hiddenLine xmlns="" xmlns:a14="http://schemas.microsoft.com/office/drawing/2010/main" w="9525">
                   <a:solidFill>
                     <a:srgbClr val="000000"/>
                   </a:solidFill>
@@ -11378,7 +11434,7 @@
             </a:ln>
             <a:extLst>
               <a:ext uri="{91240B29-F687-4f45-9708-019B960494DF}">
-                <a14:hiddenLine xmlns:a14="http://schemas.microsoft.com/office/drawing/2010/main" xmlns="" w="9525">
+                <a14:hiddenLine xmlns="" xmlns:a14="http://schemas.microsoft.com/office/drawing/2010/main" w="9525">
                   <a:solidFill>
                     <a:srgbClr val="000000"/>
                   </a:solidFill>
@@ -11446,7 +11502,7 @@
             </a:ln>
             <a:extLst>
               <a:ext uri="{91240B29-F687-4f45-9708-019B960494DF}">
-                <a14:hiddenLine xmlns:a14="http://schemas.microsoft.com/office/drawing/2010/main" xmlns="" w="9525">
+                <a14:hiddenLine xmlns="" xmlns:a14="http://schemas.microsoft.com/office/drawing/2010/main" w="9525">
                   <a:solidFill>
                     <a:srgbClr val="000000"/>
                   </a:solidFill>
@@ -11536,7 +11592,7 @@
             </a:ln>
             <a:extLst>
               <a:ext uri="{91240B29-F687-4f45-9708-019B960494DF}">
-                <a14:hiddenLine xmlns:a14="http://schemas.microsoft.com/office/drawing/2010/main" xmlns="" w="9525">
+                <a14:hiddenLine xmlns="" xmlns:a14="http://schemas.microsoft.com/office/drawing/2010/main" w="9525">
                   <a:solidFill>
                     <a:srgbClr val="000000"/>
                   </a:solidFill>
@@ -16350,7 +16406,7 @@
           <a:noFill/>
           <a:extLst>
             <a:ext uri="{909E8E84-426E-40dd-AFC4-6F175D3DCCD1}">
-              <a14:hiddenFill xmlns:a14="http://schemas.microsoft.com/office/drawing/2010/main" xmlns="">
+              <a14:hiddenFill xmlns="" xmlns:a14="http://schemas.microsoft.com/office/drawing/2010/main">
                 <a:solidFill>
                   <a:srgbClr val="FFFFFF"/>
                 </a:solidFill>
@@ -16424,7 +16480,7 @@
               </a:ln>
               <a:extLst>
                 <a:ext uri="{91240B29-F687-4f45-9708-019B960494DF}">
-                  <a14:hiddenLine xmlns:a14="http://schemas.microsoft.com/office/drawing/2010/main" xmlns="" w="9525">
+                  <a14:hiddenLine xmlns="" xmlns:a14="http://schemas.microsoft.com/office/drawing/2010/main" w="9525">
                     <a:solidFill>
                       <a:srgbClr val="000000"/>
                     </a:solidFill>
@@ -16514,7 +16570,7 @@
               </a:ln>
               <a:extLst>
                 <a:ext uri="{91240B29-F687-4f45-9708-019B960494DF}">
-                  <a14:hiddenLine xmlns:a14="http://schemas.microsoft.com/office/drawing/2010/main" xmlns="" w="9525">
+                  <a14:hiddenLine xmlns="" xmlns:a14="http://schemas.microsoft.com/office/drawing/2010/main" w="9525">
                     <a:solidFill>
                       <a:srgbClr val="000000"/>
                     </a:solidFill>
@@ -16604,7 +16660,7 @@
               </a:ln>
               <a:extLst>
                 <a:ext uri="{91240B29-F687-4f45-9708-019B960494DF}">
-                  <a14:hiddenLine xmlns:a14="http://schemas.microsoft.com/office/drawing/2010/main" xmlns="" w="9525">
+                  <a14:hiddenLine xmlns="" xmlns:a14="http://schemas.microsoft.com/office/drawing/2010/main" w="9525">
                     <a:solidFill>
                       <a:srgbClr val="000000"/>
                     </a:solidFill>
@@ -16666,7 +16722,7 @@
               </a:ln>
               <a:extLst>
                 <a:ext uri="{91240B29-F687-4f45-9708-019B960494DF}">
-                  <a14:hiddenLine xmlns:a14="http://schemas.microsoft.com/office/drawing/2010/main" xmlns="" w="9525">
+                  <a14:hiddenLine xmlns="" xmlns:a14="http://schemas.microsoft.com/office/drawing/2010/main" w="9525">
                     <a:solidFill>
                       <a:srgbClr val="000000"/>
                     </a:solidFill>
@@ -16756,7 +16812,7 @@
               </a:ln>
               <a:extLst>
                 <a:ext uri="{91240B29-F687-4f45-9708-019B960494DF}">
-                  <a14:hiddenLine xmlns:a14="http://schemas.microsoft.com/office/drawing/2010/main" xmlns="" w="9525">
+                  <a14:hiddenLine xmlns="" xmlns:a14="http://schemas.microsoft.com/office/drawing/2010/main" w="9525">
                     <a:solidFill>
                       <a:srgbClr val="000000"/>
                     </a:solidFill>
@@ -16818,7 +16874,7 @@
               </a:ln>
               <a:extLst>
                 <a:ext uri="{91240B29-F687-4f45-9708-019B960494DF}">
-                  <a14:hiddenLine xmlns:a14="http://schemas.microsoft.com/office/drawing/2010/main" xmlns="" w="9525">
+                  <a14:hiddenLine xmlns="" xmlns:a14="http://schemas.microsoft.com/office/drawing/2010/main" w="9525">
                     <a:solidFill>
                       <a:srgbClr val="000000"/>
                     </a:solidFill>
@@ -16880,7 +16936,7 @@
               </a:ln>
               <a:extLst>
                 <a:ext uri="{91240B29-F687-4f45-9708-019B960494DF}">
-                  <a14:hiddenLine xmlns:a14="http://schemas.microsoft.com/office/drawing/2010/main" xmlns="" w="9525">
+                  <a14:hiddenLine xmlns="" xmlns:a14="http://schemas.microsoft.com/office/drawing/2010/main" w="9525">
                     <a:solidFill>
                       <a:srgbClr val="000000"/>
                     </a:solidFill>
@@ -16970,7 +17026,7 @@
               </a:ln>
               <a:extLst>
                 <a:ext uri="{91240B29-F687-4f45-9708-019B960494DF}">
-                  <a14:hiddenLine xmlns:a14="http://schemas.microsoft.com/office/drawing/2010/main" xmlns="" w="9525">
+                  <a14:hiddenLine xmlns="" xmlns:a14="http://schemas.microsoft.com/office/drawing/2010/main" w="9525">
                     <a:solidFill>
                       <a:srgbClr val="000000"/>
                     </a:solidFill>
@@ -17060,7 +17116,7 @@
               </a:ln>
               <a:extLst>
                 <a:ext uri="{91240B29-F687-4f45-9708-019B960494DF}">
-                  <a14:hiddenLine xmlns:a14="http://schemas.microsoft.com/office/drawing/2010/main" xmlns="" w="9525">
+                  <a14:hiddenLine xmlns="" xmlns:a14="http://schemas.microsoft.com/office/drawing/2010/main" w="9525">
                     <a:solidFill>
                       <a:srgbClr val="000000"/>
                     </a:solidFill>
@@ -17122,7 +17178,7 @@
               </a:ln>
               <a:extLst>
                 <a:ext uri="{91240B29-F687-4f45-9708-019B960494DF}">
-                  <a14:hiddenLine xmlns:a14="http://schemas.microsoft.com/office/drawing/2010/main" xmlns="" w="9525">
+                  <a14:hiddenLine xmlns="" xmlns:a14="http://schemas.microsoft.com/office/drawing/2010/main" w="9525">
                     <a:solidFill>
                       <a:srgbClr val="000000"/>
                     </a:solidFill>
@@ -17232,7 +17288,7 @@
               </a:ln>
               <a:extLst>
                 <a:ext uri="{91240B29-F687-4f45-9708-019B960494DF}">
-                  <a14:hiddenLine xmlns:a14="http://schemas.microsoft.com/office/drawing/2010/main" xmlns="" w="9525">
+                  <a14:hiddenLine xmlns="" xmlns:a14="http://schemas.microsoft.com/office/drawing/2010/main" w="9525">
                     <a:solidFill>
                       <a:srgbClr val="000000"/>
                     </a:solidFill>
@@ -17316,7 +17372,7 @@
               </a:ln>
               <a:extLst>
                 <a:ext uri="{91240B29-F687-4f45-9708-019B960494DF}">
-                  <a14:hiddenLine xmlns:a14="http://schemas.microsoft.com/office/drawing/2010/main" xmlns="" w="9525">
+                  <a14:hiddenLine xmlns="" xmlns:a14="http://schemas.microsoft.com/office/drawing/2010/main" w="9525">
                     <a:solidFill>
                       <a:srgbClr val="000000"/>
                     </a:solidFill>
@@ -17378,7 +17434,7 @@
               </a:ln>
               <a:extLst>
                 <a:ext uri="{91240B29-F687-4f45-9708-019B960494DF}">
-                  <a14:hiddenLine xmlns:a14="http://schemas.microsoft.com/office/drawing/2010/main" xmlns="" w="9525">
+                  <a14:hiddenLine xmlns="" xmlns:a14="http://schemas.microsoft.com/office/drawing/2010/main" w="9525">
                     <a:solidFill>
                       <a:srgbClr val="000000"/>
                     </a:solidFill>
@@ -17440,7 +17496,7 @@
               </a:ln>
               <a:extLst>
                 <a:ext uri="{91240B29-F687-4f45-9708-019B960494DF}">
-                  <a14:hiddenLine xmlns:a14="http://schemas.microsoft.com/office/drawing/2010/main" xmlns="" w="9525">
+                  <a14:hiddenLine xmlns="" xmlns:a14="http://schemas.microsoft.com/office/drawing/2010/main" w="9525">
                     <a:solidFill>
                       <a:srgbClr val="000000"/>
                     </a:solidFill>
@@ -17530,7 +17586,7 @@
               </a:ln>
               <a:extLst>
                 <a:ext uri="{91240B29-F687-4f45-9708-019B960494DF}">
-                  <a14:hiddenLine xmlns:a14="http://schemas.microsoft.com/office/drawing/2010/main" xmlns="" w="9525">
+                  <a14:hiddenLine xmlns="" xmlns:a14="http://schemas.microsoft.com/office/drawing/2010/main" w="9525">
                     <a:solidFill>
                       <a:srgbClr val="000000"/>
                     </a:solidFill>
@@ -17564,7 +17620,7 @@
               </a:ln>
               <a:extLst>
                 <a:ext uri="{91240B29-F687-4f45-9708-019B960494DF}">
-                  <a14:hiddenLine xmlns:a14="http://schemas.microsoft.com/office/drawing/2010/main" xmlns="" w="9525">
+                  <a14:hiddenLine xmlns="" xmlns:a14="http://schemas.microsoft.com/office/drawing/2010/main" w="9525">
                     <a:solidFill>
                       <a:srgbClr val="000000"/>
                     </a:solidFill>
@@ -17629,7 +17685,7 @@
               </a:ln>
               <a:extLst>
                 <a:ext uri="{91240B29-F687-4f45-9708-019B960494DF}">
-                  <a14:hiddenLine xmlns:a14="http://schemas.microsoft.com/office/drawing/2010/main" xmlns="" w="9525">
+                  <a14:hiddenLine xmlns="" xmlns:a14="http://schemas.microsoft.com/office/drawing/2010/main" w="9525">
                     <a:solidFill>
                       <a:srgbClr val="000000"/>
                     </a:solidFill>
@@ -17719,7 +17775,7 @@
               </a:ln>
               <a:extLst>
                 <a:ext uri="{91240B29-F687-4f45-9708-019B960494DF}">
-                  <a14:hiddenLine xmlns:a14="http://schemas.microsoft.com/office/drawing/2010/main" xmlns="" w="9525">
+                  <a14:hiddenLine xmlns="" xmlns:a14="http://schemas.microsoft.com/office/drawing/2010/main" w="9525">
                     <a:solidFill>
                       <a:srgbClr val="000000"/>
                     </a:solidFill>
@@ -17781,7 +17837,7 @@
               </a:ln>
               <a:extLst>
                 <a:ext uri="{91240B29-F687-4f45-9708-019B960494DF}">
-                  <a14:hiddenLine xmlns:a14="http://schemas.microsoft.com/office/drawing/2010/main" xmlns="" w="9525">
+                  <a14:hiddenLine xmlns="" xmlns:a14="http://schemas.microsoft.com/office/drawing/2010/main" w="9525">
                     <a:solidFill>
                       <a:srgbClr val="000000"/>
                     </a:solidFill>
@@ -17871,7 +17927,7 @@
               </a:ln>
               <a:extLst>
                 <a:ext uri="{91240B29-F687-4f45-9708-019B960494DF}">
-                  <a14:hiddenLine xmlns:a14="http://schemas.microsoft.com/office/drawing/2010/main" xmlns="" w="9525">
+                  <a14:hiddenLine xmlns="" xmlns:a14="http://schemas.microsoft.com/office/drawing/2010/main" w="9525">
                     <a:solidFill>
                       <a:srgbClr val="000000"/>
                     </a:solidFill>
@@ -17936,7 +17992,7 @@
               </a:ln>
               <a:extLst>
                 <a:ext uri="{91240B29-F687-4f45-9708-019B960494DF}">
-                  <a14:hiddenLine xmlns:a14="http://schemas.microsoft.com/office/drawing/2010/main" xmlns="" w="9525">
+                  <a14:hiddenLine xmlns="" xmlns:a14="http://schemas.microsoft.com/office/drawing/2010/main" w="9525">
                     <a:solidFill>
                       <a:srgbClr val="000000"/>
                     </a:solidFill>
@@ -17998,7 +18054,7 @@
               </a:ln>
               <a:extLst>
                 <a:ext uri="{91240B29-F687-4f45-9708-019B960494DF}">
-                  <a14:hiddenLine xmlns:a14="http://schemas.microsoft.com/office/drawing/2010/main" xmlns="" w="9525">
+                  <a14:hiddenLine xmlns="" xmlns:a14="http://schemas.microsoft.com/office/drawing/2010/main" w="9525">
                     <a:solidFill>
                       <a:srgbClr val="000000"/>
                     </a:solidFill>
@@ -18088,7 +18144,7 @@
               </a:ln>
               <a:extLst>
                 <a:ext uri="{91240B29-F687-4f45-9708-019B960494DF}">
-                  <a14:hiddenLine xmlns:a14="http://schemas.microsoft.com/office/drawing/2010/main" xmlns="" w="9525">
+                  <a14:hiddenLine xmlns="" xmlns:a14="http://schemas.microsoft.com/office/drawing/2010/main" w="9525">
                     <a:solidFill>
                       <a:srgbClr val="000000"/>
                     </a:solidFill>
@@ -18178,7 +18234,7 @@
               </a:ln>
               <a:extLst>
                 <a:ext uri="{91240B29-F687-4f45-9708-019B960494DF}">
-                  <a14:hiddenLine xmlns:a14="http://schemas.microsoft.com/office/drawing/2010/main" xmlns="" w="9525">
+                  <a14:hiddenLine xmlns="" xmlns:a14="http://schemas.microsoft.com/office/drawing/2010/main" w="9525">
                     <a:solidFill>
                       <a:srgbClr val="000000"/>
                     </a:solidFill>
@@ -18243,7 +18299,7 @@
               </a:ln>
               <a:extLst>
                 <a:ext uri="{91240B29-F687-4f45-9708-019B960494DF}">
-                  <a14:hiddenLine xmlns:a14="http://schemas.microsoft.com/office/drawing/2010/main" xmlns="" w="9525">
+                  <a14:hiddenLine xmlns="" xmlns:a14="http://schemas.microsoft.com/office/drawing/2010/main" w="9525">
                     <a:solidFill>
                       <a:srgbClr val="000000"/>
                     </a:solidFill>
@@ -18363,7 +18419,7 @@
               </a:ln>
               <a:extLst>
                 <a:ext uri="{91240B29-F687-4f45-9708-019B960494DF}">
-                  <a14:hiddenLine xmlns:a14="http://schemas.microsoft.com/office/drawing/2010/main" xmlns="" w="9525">
+                  <a14:hiddenLine xmlns="" xmlns:a14="http://schemas.microsoft.com/office/drawing/2010/main" w="9525">
                     <a:solidFill>
                       <a:srgbClr val="000000"/>
                     </a:solidFill>
@@ -18444,7 +18500,7 @@
               </a:ln>
               <a:extLst>
                 <a:ext uri="{91240B29-F687-4f45-9708-019B960494DF}">
-                  <a14:hiddenLine xmlns:a14="http://schemas.microsoft.com/office/drawing/2010/main" xmlns="" w="9525">
+                  <a14:hiddenLine xmlns="" xmlns:a14="http://schemas.microsoft.com/office/drawing/2010/main" w="9525">
                     <a:solidFill>
                       <a:srgbClr val="000000"/>
                     </a:solidFill>
@@ -18559,7 +18615,7 @@
               </a:ln>
               <a:extLst>
                 <a:ext uri="{91240B29-F687-4f45-9708-019B960494DF}">
-                  <a14:hiddenLine xmlns:a14="http://schemas.microsoft.com/office/drawing/2010/main" xmlns="" w="9525">
+                  <a14:hiddenLine xmlns="" xmlns:a14="http://schemas.microsoft.com/office/drawing/2010/main" w="9525">
                     <a:solidFill>
                       <a:srgbClr val="000000"/>
                     </a:solidFill>
@@ -18649,7 +18705,7 @@
               </a:ln>
               <a:extLst>
                 <a:ext uri="{91240B29-F687-4f45-9708-019B960494DF}">
-                  <a14:hiddenLine xmlns:a14="http://schemas.microsoft.com/office/drawing/2010/main" xmlns="" w="9525">
+                  <a14:hiddenLine xmlns="" xmlns:a14="http://schemas.microsoft.com/office/drawing/2010/main" w="9525">
                     <a:solidFill>
                       <a:srgbClr val="000000"/>
                     </a:solidFill>
@@ -18714,7 +18770,7 @@
               </a:ln>
               <a:extLst>
                 <a:ext uri="{91240B29-F687-4f45-9708-019B960494DF}">
-                  <a14:hiddenLine xmlns:a14="http://schemas.microsoft.com/office/drawing/2010/main" xmlns="" w="9525">
+                  <a14:hiddenLine xmlns="" xmlns:a14="http://schemas.microsoft.com/office/drawing/2010/main" w="9525">
                     <a:solidFill>
                       <a:srgbClr val="000000"/>
                     </a:solidFill>
@@ -18804,7 +18860,7 @@
               </a:ln>
               <a:extLst>
                 <a:ext uri="{91240B29-F687-4f45-9708-019B960494DF}">
-                  <a14:hiddenLine xmlns:a14="http://schemas.microsoft.com/office/drawing/2010/main" xmlns="" w="9525">
+                  <a14:hiddenLine xmlns="" xmlns:a14="http://schemas.microsoft.com/office/drawing/2010/main" w="9525">
                     <a:solidFill>
                       <a:srgbClr val="000000"/>
                     </a:solidFill>
@@ -18872,7 +18928,7 @@
               </a:ln>
               <a:extLst>
                 <a:ext uri="{91240B29-F687-4f45-9708-019B960494DF}">
-                  <a14:hiddenLine xmlns:a14="http://schemas.microsoft.com/office/drawing/2010/main" xmlns="" w="9525">
+                  <a14:hiddenLine xmlns="" xmlns:a14="http://schemas.microsoft.com/office/drawing/2010/main" w="9525">
                     <a:solidFill>
                       <a:srgbClr val="000000"/>
                     </a:solidFill>
@@ -18962,7 +19018,7 @@
               </a:ln>
               <a:extLst>
                 <a:ext uri="{91240B29-F687-4f45-9708-019B960494DF}">
-                  <a14:hiddenLine xmlns:a14="http://schemas.microsoft.com/office/drawing/2010/main" xmlns="" w="9525">
+                  <a14:hiddenLine xmlns="" xmlns:a14="http://schemas.microsoft.com/office/drawing/2010/main" w="9525">
                     <a:solidFill>
                       <a:srgbClr val="000000"/>
                     </a:solidFill>
@@ -19030,7 +19086,7 @@
               </a:ln>
               <a:extLst>
                 <a:ext uri="{91240B29-F687-4f45-9708-019B960494DF}">
-                  <a14:hiddenLine xmlns:a14="http://schemas.microsoft.com/office/drawing/2010/main" xmlns="" w="9525">
+                  <a14:hiddenLine xmlns="" xmlns:a14="http://schemas.microsoft.com/office/drawing/2010/main" w="9525">
                     <a:solidFill>
                       <a:srgbClr val="000000"/>
                     </a:solidFill>
@@ -19120,7 +19176,7 @@
               </a:ln>
               <a:extLst>
                 <a:ext uri="{91240B29-F687-4f45-9708-019B960494DF}">
-                  <a14:hiddenLine xmlns:a14="http://schemas.microsoft.com/office/drawing/2010/main" xmlns="" w="9525">
+                  <a14:hiddenLine xmlns="" xmlns:a14="http://schemas.microsoft.com/office/drawing/2010/main" w="9525">
                     <a:solidFill>
                       <a:srgbClr val="000000"/>
                     </a:solidFill>
@@ -19154,7 +19210,7 @@
               </a:ln>
               <a:extLst>
                 <a:ext uri="{91240B29-F687-4f45-9708-019B960494DF}">
-                  <a14:hiddenLine xmlns:a14="http://schemas.microsoft.com/office/drawing/2010/main" xmlns="" w="9525">
+                  <a14:hiddenLine xmlns="" xmlns:a14="http://schemas.microsoft.com/office/drawing/2010/main" w="9525">
                     <a:solidFill>
                       <a:srgbClr val="000000"/>
                     </a:solidFill>
@@ -22760,14 +22816,6 @@
 </file>
 
 <file path=customXml/item2.xml><?xml version="1.0" encoding="utf-8"?>
-<p:properties xmlns:p="http://schemas.microsoft.com/office/2006/metadata/properties" xmlns:xsi="http://www.w3.org/2001/XMLSchema-instance" xmlns:pc="http://schemas.microsoft.com/office/infopath/2007/PartnerControls">
-  <documentManagement>
-    <MediaServiceKeyPoints xmlns="71af3243-3dd4-4a8d-8c0d-dd76da1f02a5" xsi:nil="true"/>
-  </documentManagement>
-</p:properties>
-</file>
-
-<file path=customXml/item3.xml><?xml version="1.0" encoding="utf-8"?>
 <ct:contentTypeSchema xmlns:ct="http://schemas.microsoft.com/office/2006/metadata/contentType" xmlns:ma="http://schemas.microsoft.com/office/2006/metadata/properties/metaAttributes" ct:_="" ma:_="" ma:contentTypeName="Document" ma:contentTypeID="0x01010079F111ED35F8CC479449609E8A0923A6" ma:contentTypeVersion="11" ma:contentTypeDescription="Create a new document." ma:contentTypeScope="" ma:versionID="96291512c1ee715ab617f4c07df79fc1">
   <xsd:schema xmlns:xsd="http://www.w3.org/2001/XMLSchema" xmlns:xs="http://www.w3.org/2001/XMLSchema" xmlns:p="http://schemas.microsoft.com/office/2006/metadata/properties" xmlns:ns2="71af3243-3dd4-4a8d-8c0d-dd76da1f02a5" xmlns:ns3="16c05727-aa75-4e4a-9b5f-8a80a1165891" targetNamespace="http://schemas.microsoft.com/office/2006/metadata/properties" ma:root="true" ma:fieldsID="8256c27c40ca5c40ce1cf6c44f0205df" ns2:_="" ns3:_="">
     <xsd:import namespace="71af3243-3dd4-4a8d-8c0d-dd76da1f02a5"/>
@@ -22978,6 +23026,14 @@
 </ct:contentTypeSchema>
 </file>
 
+<file path=customXml/item3.xml><?xml version="1.0" encoding="utf-8"?>
+<p:properties xmlns:p="http://schemas.microsoft.com/office/2006/metadata/properties" xmlns:xsi="http://www.w3.org/2001/XMLSchema-instance" xmlns:pc="http://schemas.microsoft.com/office/infopath/2007/PartnerControls">
+  <documentManagement>
+    <MediaServiceKeyPoints xmlns="71af3243-3dd4-4a8d-8c0d-dd76da1f02a5" xsi:nil="true"/>
+  </documentManagement>
+</p:properties>
+</file>
+
 <file path=customXml/itemProps1.xml><?xml version="1.0" encoding="utf-8"?>
 <ds:datastoreItem xmlns:ds="http://schemas.openxmlformats.org/officeDocument/2006/customXml" ds:itemID="{B579702B-25C7-40D7-9E29-7686B11A9660}">
   <ds:schemaRefs>
@@ -22987,23 +23043,6 @@
 </file>
 
 <file path=customXml/itemProps2.xml><?xml version="1.0" encoding="utf-8"?>
-<ds:datastoreItem xmlns:ds="http://schemas.openxmlformats.org/officeDocument/2006/customXml" ds:itemID="{E7866CFD-F94E-4AE5-ACEA-86FEC0F48A10}">
-  <ds:schemaRefs>
-    <ds:schemaRef ds:uri="http://www.w3.org/XML/1998/namespace"/>
-    <ds:schemaRef ds:uri="16c05727-aa75-4e4a-9b5f-8a80a1165891"/>
-    <ds:schemaRef ds:uri="http://schemas.microsoft.com/office/2006/documentManagement/types"/>
-    <ds:schemaRef ds:uri="71af3243-3dd4-4a8d-8c0d-dd76da1f02a5"/>
-    <ds:schemaRef ds:uri="http://purl.org/dc/terms/"/>
-    <ds:schemaRef ds:uri="http://purl.org/dc/elements/1.1/"/>
-    <ds:schemaRef ds:uri="http://schemas.openxmlformats.org/package/2006/metadata/core-properties"/>
-    <ds:schemaRef ds:uri="http://schemas.microsoft.com/office/infopath/2007/PartnerControls"/>
-    <ds:schemaRef ds:uri="http://schemas.microsoft.com/office/2006/metadata/properties"/>
-    <ds:schemaRef ds:uri="http://purl.org/dc/dcmitype/"/>
-  </ds:schemaRefs>
-</ds:datastoreItem>
-</file>
-
-<file path=customXml/itemProps3.xml><?xml version="1.0" encoding="utf-8"?>
 <ds:datastoreItem xmlns:ds="http://schemas.openxmlformats.org/officeDocument/2006/customXml" ds:itemID="{A7C0B241-13E5-418D-8920-D23491E2D2C0}">
   <ds:schemaRefs>
     <ds:schemaRef ds:uri="http://schemas.microsoft.com/office/2006/metadata/contentType"/>
@@ -23020,4 +23059,21 @@
     <ds:schemaRef ds:uri="http://schemas.microsoft.com/internal/obd"/>
   </ds:schemaRefs>
 </ds:datastoreItem>
+</file>
+
+<file path=customXml/itemProps3.xml><?xml version="1.0" encoding="utf-8"?>
+<ds:datastoreItem xmlns:ds="http://schemas.openxmlformats.org/officeDocument/2006/customXml" ds:itemID="{E7866CFD-F94E-4AE5-ACEA-86FEC0F48A10}">
+  <ds:schemaRefs>
+    <ds:schemaRef ds:uri="http://www.w3.org/XML/1998/namespace"/>
+    <ds:schemaRef ds:uri="16c05727-aa75-4e4a-9b5f-8a80a1165891"/>
+    <ds:schemaRef ds:uri="http://schemas.microsoft.com/office/2006/documentManagement/types"/>
+    <ds:schemaRef ds:uri="71af3243-3dd4-4a8d-8c0d-dd76da1f02a5"/>
+    <ds:schemaRef ds:uri="http://purl.org/dc/terms/"/>
+    <ds:schemaRef ds:uri="http://purl.org/dc/elements/1.1/"/>
+    <ds:schemaRef ds:uri="http://schemas.openxmlformats.org/package/2006/metadata/core-properties"/>
+    <ds:schemaRef ds:uri="http://schemas.microsoft.com/office/infopath/2007/PartnerControls"/>
+    <ds:schemaRef ds:uri="http://schemas.microsoft.com/office/2006/metadata/properties"/>
+    <ds:schemaRef ds:uri="http://purl.org/dc/dcmitype/"/>
+  </ds:schemaRefs>
+</ds:datastoreItem>
 </file>